--- a/materials/slides/ch03-1.pptx
+++ b/materials/slides/ch03-1.pptx
@@ -136,7 +136,7 @@
   </p:defaultTextStyle>
   <p:extLst>
     <p:ext uri="{EFAFB233-063F-42B5-8137-9DF3F51BA10A}">
-      <p15:sldGuideLst xmlns:p15="http://schemas.microsoft.com/office/powerpoint/2012/main">
+      <p15:sldGuideLst xmlns="" xmlns:p15="http://schemas.microsoft.com/office/powerpoint/2012/main">
         <p15:guide id="1" orient="horz" pos="2160" userDrawn="1">
           <p15:clr>
             <a:srgbClr val="A4A3A4"/>
@@ -158,7 +158,7 @@
   <p:cmAuthor id="1" name="Eetze" initials="E" lastIdx="1" clrIdx="0">
     <p:extLst>
       <p:ext uri="{19B8F6BF-5375-455C-9EA6-DF929625EA0E}">
-        <p15:presenceInfo xmlns:p15="http://schemas.microsoft.com/office/powerpoint/2012/main" userId="Eetze" providerId="None"/>
+        <p15:presenceInfo xmlns="" xmlns:p15="http://schemas.microsoft.com/office/powerpoint/2012/main" userId="Eetze" providerId="None"/>
       </p:ext>
     </p:extLst>
   </p:cmAuthor>
@@ -247,7 +247,7 @@
           <a:p>
             <a:fld id="{A097A4FE-15A4-4468-9890-CEB24014ACB3}" type="datetimeFigureOut">
               <a:rPr lang="zh-CN" altLang="en-US" smtClean="0"/>
-              <a:t>2018/3/15</a:t>
+              <a:t>2018/10/15</a:t>
             </a:fld>
             <a:endParaRPr lang="zh-CN" altLang="en-US"/>
           </a:p>
@@ -558,7 +558,7 @@
           <a:bodyPr/>
           <a:lstStyle/>
           <a:p>
-            <a:endParaRPr lang="zh-CN" altLang="en-US"/>
+            <a:endParaRPr lang="zh-CN" altLang="en-US" dirty="0"/>
           </a:p>
         </p:txBody>
       </p:sp>
@@ -579,7 +579,7 @@
           <a:p>
             <a:fld id="{67AFED13-18EC-4853-B935-6E23F2540B2D}" type="slidenum">
               <a:rPr lang="zh-CN" altLang="en-US" smtClean="0"/>
-              <a:t>8</a:t>
+              <a:t>4</a:t>
             </a:fld>
             <a:endParaRPr lang="zh-CN" altLang="en-US"/>
           </a:p>
@@ -588,7 +588,7 @@
     </p:spTree>
     <p:extLst>
       <p:ext uri="{BB962C8B-B14F-4D97-AF65-F5344CB8AC3E}">
-        <p14:creationId xmlns:p14="http://schemas.microsoft.com/office/powerpoint/2010/main" val="3174661115"/>
+        <p14:creationId xmlns:p14="http://schemas.microsoft.com/office/powerpoint/2010/main" val="1605450796"/>
       </p:ext>
     </p:extLst>
   </p:cSld>
@@ -642,7 +642,7 @@
           <a:bodyPr/>
           <a:lstStyle/>
           <a:p>
-            <a:endParaRPr lang="zh-CN" altLang="en-US"/>
+            <a:endParaRPr lang="zh-CN" altLang="en-US" dirty="0"/>
           </a:p>
         </p:txBody>
       </p:sp>
@@ -663,7 +663,7 @@
           <a:p>
             <a:fld id="{67AFED13-18EC-4853-B935-6E23F2540B2D}" type="slidenum">
               <a:rPr lang="zh-CN" altLang="en-US" smtClean="0"/>
-              <a:t>9</a:t>
+              <a:t>6</a:t>
             </a:fld>
             <a:endParaRPr lang="zh-CN" altLang="en-US"/>
           </a:p>
@@ -672,7 +672,7 @@
     </p:spTree>
     <p:extLst>
       <p:ext uri="{BB962C8B-B14F-4D97-AF65-F5344CB8AC3E}">
-        <p14:creationId xmlns:p14="http://schemas.microsoft.com/office/powerpoint/2010/main" val="1211864563"/>
+        <p14:creationId xmlns:p14="http://schemas.microsoft.com/office/powerpoint/2010/main" val="687335077"/>
       </p:ext>
     </p:extLst>
   </p:cSld>
@@ -726,7 +726,15 @@
           <a:bodyPr/>
           <a:lstStyle/>
           <a:p>
-            <a:endParaRPr lang="zh-CN" altLang="en-US"/>
+            <a:r>
+              <a:rPr lang="zh-CN" altLang="en-US" dirty="0" smtClean="0"/>
+              <a:t>顶层视图</a:t>
+            </a:r>
+            <a:r>
+              <a:rPr lang="en-US" altLang="zh-CN" dirty="0" err="1" smtClean="0"/>
+              <a:t>contentView</a:t>
+            </a:r>
+            <a:endParaRPr lang="zh-CN" altLang="en-US" dirty="0"/>
           </a:p>
         </p:txBody>
       </p:sp>
@@ -747,6 +755,229 @@
           <a:p>
             <a:fld id="{67AFED13-18EC-4853-B935-6E23F2540B2D}" type="slidenum">
               <a:rPr lang="zh-CN" altLang="en-US" smtClean="0"/>
+              <a:t>8</a:t>
+            </a:fld>
+            <a:endParaRPr lang="zh-CN" altLang="en-US"/>
+          </a:p>
+        </p:txBody>
+      </p:sp>
+    </p:spTree>
+    <p:extLst>
+      <p:ext uri="{BB962C8B-B14F-4D97-AF65-F5344CB8AC3E}">
+        <p14:creationId xmlns:p14="http://schemas.microsoft.com/office/powerpoint/2010/main" val="3174661115"/>
+      </p:ext>
+    </p:extLst>
+  </p:cSld>
+  <p:clrMapOvr>
+    <a:masterClrMapping/>
+  </p:clrMapOvr>
+</p:notes>
+</file>
+
+<file path=ppt/notesSlides/notesSlide4.xml><?xml version="1.0" encoding="utf-8"?>
+<p:notes xmlns:a="http://schemas.openxmlformats.org/drawingml/2006/main" xmlns:r="http://schemas.openxmlformats.org/officeDocument/2006/relationships" xmlns:p="http://schemas.openxmlformats.org/presentationml/2006/main">
+  <p:cSld>
+    <p:spTree>
+      <p:nvGrpSpPr>
+        <p:cNvPr id="1" name=""/>
+        <p:cNvGrpSpPr/>
+        <p:nvPr/>
+      </p:nvGrpSpPr>
+      <p:grpSpPr>
+        <a:xfrm>
+          <a:off x="0" y="0"/>
+          <a:ext cx="0" cy="0"/>
+          <a:chOff x="0" y="0"/>
+          <a:chExt cx="0" cy="0"/>
+        </a:xfrm>
+      </p:grpSpPr>
+      <p:sp>
+        <p:nvSpPr>
+          <p:cNvPr id="2" name="幻灯片图像占位符 1"/>
+          <p:cNvSpPr>
+            <a:spLocks noGrp="1" noRot="1" noChangeAspect="1"/>
+          </p:cNvSpPr>
+          <p:nvPr>
+            <p:ph type="sldImg"/>
+          </p:nvPr>
+        </p:nvSpPr>
+        <p:spPr/>
+      </p:sp>
+      <p:sp>
+        <p:nvSpPr>
+          <p:cNvPr id="3" name="备注占位符 2"/>
+          <p:cNvSpPr>
+            <a:spLocks noGrp="1"/>
+          </p:cNvSpPr>
+          <p:nvPr>
+            <p:ph type="body" idx="1"/>
+          </p:nvPr>
+        </p:nvSpPr>
+        <p:spPr/>
+        <p:txBody>
+          <a:bodyPr/>
+          <a:lstStyle/>
+          <a:p>
+            <a:r>
+              <a:rPr lang="zh-CN" altLang="en-US" dirty="0" smtClean="0"/>
+              <a:t>事件分发是树的深度优先遍历</a:t>
+            </a:r>
+            <a:endParaRPr lang="zh-CN" altLang="en-US" dirty="0"/>
+          </a:p>
+        </p:txBody>
+      </p:sp>
+      <p:sp>
+        <p:nvSpPr>
+          <p:cNvPr id="4" name="灯片编号占位符 3"/>
+          <p:cNvSpPr>
+            <a:spLocks noGrp="1"/>
+          </p:cNvSpPr>
+          <p:nvPr>
+            <p:ph type="sldNum" sz="quarter" idx="10"/>
+          </p:nvPr>
+        </p:nvSpPr>
+        <p:spPr/>
+        <p:txBody>
+          <a:bodyPr/>
+          <a:lstStyle/>
+          <a:p>
+            <a:fld id="{67AFED13-18EC-4853-B935-6E23F2540B2D}" type="slidenum">
+              <a:rPr lang="zh-CN" altLang="en-US" smtClean="0"/>
+              <a:t>9</a:t>
+            </a:fld>
+            <a:endParaRPr lang="zh-CN" altLang="en-US"/>
+          </a:p>
+        </p:txBody>
+      </p:sp>
+    </p:spTree>
+    <p:extLst>
+      <p:ext uri="{BB962C8B-B14F-4D97-AF65-F5344CB8AC3E}">
+        <p14:creationId xmlns:p14="http://schemas.microsoft.com/office/powerpoint/2010/main" val="1211864563"/>
+      </p:ext>
+    </p:extLst>
+  </p:cSld>
+  <p:clrMapOvr>
+    <a:masterClrMapping/>
+  </p:clrMapOvr>
+</p:notes>
+</file>
+
+<file path=ppt/notesSlides/notesSlide5.xml><?xml version="1.0" encoding="utf-8"?>
+<p:notes xmlns:a="http://schemas.openxmlformats.org/drawingml/2006/main" xmlns:r="http://schemas.openxmlformats.org/officeDocument/2006/relationships" xmlns:p="http://schemas.openxmlformats.org/presentationml/2006/main">
+  <p:cSld>
+    <p:spTree>
+      <p:nvGrpSpPr>
+        <p:cNvPr id="1" name=""/>
+        <p:cNvGrpSpPr/>
+        <p:nvPr/>
+      </p:nvGrpSpPr>
+      <p:grpSpPr>
+        <a:xfrm>
+          <a:off x="0" y="0"/>
+          <a:ext cx="0" cy="0"/>
+          <a:chOff x="0" y="0"/>
+          <a:chExt cx="0" cy="0"/>
+        </a:xfrm>
+      </p:grpSpPr>
+      <p:sp>
+        <p:nvSpPr>
+          <p:cNvPr id="2" name="幻灯片图像占位符 1"/>
+          <p:cNvSpPr>
+            <a:spLocks noGrp="1" noRot="1" noChangeAspect="1"/>
+          </p:cNvSpPr>
+          <p:nvPr>
+            <p:ph type="sldImg"/>
+          </p:nvPr>
+        </p:nvSpPr>
+        <p:spPr/>
+      </p:sp>
+      <p:sp>
+        <p:nvSpPr>
+          <p:cNvPr id="3" name="备注占位符 2"/>
+          <p:cNvSpPr>
+            <a:spLocks noGrp="1"/>
+          </p:cNvSpPr>
+          <p:nvPr>
+            <p:ph type="body" idx="1"/>
+          </p:nvPr>
+        </p:nvSpPr>
+        <p:spPr/>
+        <p:txBody>
+          <a:bodyPr/>
+          <a:lstStyle/>
+          <a:p>
+            <a:r>
+              <a:rPr lang="zh-CN" altLang="en-US" dirty="0" smtClean="0"/>
+              <a:t>当</a:t>
+            </a:r>
+            <a:r>
+              <a:rPr lang="en-US" altLang="zh-CN" dirty="0" smtClean="0"/>
+              <a:t>view</a:t>
+            </a:r>
+            <a:r>
+              <a:rPr lang="zh-CN" altLang="en-US" dirty="0" smtClean="0"/>
+              <a:t>不</a:t>
+            </a:r>
+            <a:r>
+              <a:rPr lang="zh-CN" altLang="en-US" smtClean="0"/>
+              <a:t>处理事件时，</a:t>
+            </a:r>
+            <a:r>
+              <a:rPr lang="zh-CN" altLang="en-US" dirty="0" smtClean="0"/>
+              <a:t>回调方法会返回</a:t>
+            </a:r>
+            <a:r>
+              <a:rPr lang="en-US" altLang="zh-CN" dirty="0" smtClean="0"/>
+              <a:t>false</a:t>
+            </a:r>
+            <a:r>
+              <a:rPr lang="zh-CN" altLang="en-US" dirty="0" smtClean="0"/>
+              <a:t>（交给父控件处理）</a:t>
+            </a:r>
+            <a:endParaRPr lang="en-US" altLang="zh-CN" dirty="0" smtClean="0"/>
+          </a:p>
+          <a:p>
+            <a:r>
+              <a:rPr lang="zh-CN" altLang="en-US" dirty="0" smtClean="0"/>
+              <a:t>处理事件以后返回</a:t>
+            </a:r>
+            <a:r>
+              <a:rPr lang="en-US" altLang="zh-CN" dirty="0" smtClean="0"/>
+              <a:t>true</a:t>
+            </a:r>
+            <a:r>
+              <a:rPr lang="zh-CN" altLang="en-US" dirty="0" smtClean="0"/>
+              <a:t>（表示当前</a:t>
+            </a:r>
+            <a:r>
+              <a:rPr lang="en-US" altLang="zh-CN" dirty="0" smtClean="0"/>
+              <a:t>view</a:t>
+            </a:r>
+            <a:r>
+              <a:rPr lang="zh-CN" altLang="en-US" dirty="0" smtClean="0"/>
+              <a:t>消费了此事件）</a:t>
+            </a:r>
+            <a:endParaRPr lang="zh-CN" altLang="en-US" dirty="0"/>
+          </a:p>
+        </p:txBody>
+      </p:sp>
+      <p:sp>
+        <p:nvSpPr>
+          <p:cNvPr id="4" name="灯片编号占位符 3"/>
+          <p:cNvSpPr>
+            <a:spLocks noGrp="1"/>
+          </p:cNvSpPr>
+          <p:nvPr>
+            <p:ph type="sldNum" sz="quarter" idx="10"/>
+          </p:nvPr>
+        </p:nvSpPr>
+        <p:spPr/>
+        <p:txBody>
+          <a:bodyPr/>
+          <a:lstStyle/>
+          <a:p>
+            <a:fld id="{67AFED13-18EC-4853-B935-6E23F2540B2D}" type="slidenum">
+              <a:rPr lang="zh-CN" altLang="en-US" smtClean="0"/>
               <a:t>10</a:t>
             </a:fld>
             <a:endParaRPr lang="zh-CN" altLang="en-US"/>
@@ -757,6 +988,109 @@
     <p:extLst>
       <p:ext uri="{BB962C8B-B14F-4D97-AF65-F5344CB8AC3E}">
         <p14:creationId xmlns:p14="http://schemas.microsoft.com/office/powerpoint/2010/main" val="2915819629"/>
+      </p:ext>
+    </p:extLst>
+  </p:cSld>
+  <p:clrMapOvr>
+    <a:masterClrMapping/>
+  </p:clrMapOvr>
+</p:notes>
+</file>
+
+<file path=ppt/notesSlides/notesSlide6.xml><?xml version="1.0" encoding="utf-8"?>
+<p:notes xmlns:a="http://schemas.openxmlformats.org/drawingml/2006/main" xmlns:r="http://schemas.openxmlformats.org/officeDocument/2006/relationships" xmlns:p="http://schemas.openxmlformats.org/presentationml/2006/main">
+  <p:cSld>
+    <p:spTree>
+      <p:nvGrpSpPr>
+        <p:cNvPr id="1" name=""/>
+        <p:cNvGrpSpPr/>
+        <p:nvPr/>
+      </p:nvGrpSpPr>
+      <p:grpSpPr>
+        <a:xfrm>
+          <a:off x="0" y="0"/>
+          <a:ext cx="0" cy="0"/>
+          <a:chOff x="0" y="0"/>
+          <a:chExt cx="0" cy="0"/>
+        </a:xfrm>
+      </p:grpSpPr>
+      <p:sp>
+        <p:nvSpPr>
+          <p:cNvPr id="2" name="幻灯片图像占位符 1"/>
+          <p:cNvSpPr>
+            <a:spLocks noGrp="1" noRot="1" noChangeAspect="1"/>
+          </p:cNvSpPr>
+          <p:nvPr>
+            <p:ph type="sldImg"/>
+          </p:nvPr>
+        </p:nvSpPr>
+        <p:spPr/>
+      </p:sp>
+      <p:sp>
+        <p:nvSpPr>
+          <p:cNvPr id="3" name="备注占位符 2"/>
+          <p:cNvSpPr>
+            <a:spLocks noGrp="1"/>
+          </p:cNvSpPr>
+          <p:nvPr>
+            <p:ph type="body" idx="1"/>
+          </p:nvPr>
+        </p:nvSpPr>
+        <p:spPr/>
+        <p:txBody>
+          <a:bodyPr/>
+          <a:lstStyle/>
+          <a:p>
+            <a:r>
+              <a:rPr lang="zh-CN" altLang="en-US" dirty="0" smtClean="0"/>
+              <a:t>先执行</a:t>
+            </a:r>
+            <a:r>
+              <a:rPr lang="en-US" altLang="zh-CN" dirty="0" err="1" smtClean="0"/>
+              <a:t>onTouchEvent</a:t>
+            </a:r>
+            <a:r>
+              <a:rPr lang="zh-CN" altLang="en-US" dirty="0" smtClean="0"/>
+              <a:t>，后执行监听器方法</a:t>
+            </a:r>
+            <a:endParaRPr lang="en-US" altLang="zh-CN" dirty="0" smtClean="0"/>
+          </a:p>
+          <a:p>
+            <a:r>
+              <a:rPr lang="zh-CN" altLang="en-US" smtClean="0"/>
+              <a:t>点击控件时，按下、抬起、点击</a:t>
+            </a:r>
+            <a:endParaRPr lang="zh-CN" altLang="en-US" dirty="0"/>
+          </a:p>
+        </p:txBody>
+      </p:sp>
+      <p:sp>
+        <p:nvSpPr>
+          <p:cNvPr id="4" name="灯片编号占位符 3"/>
+          <p:cNvSpPr>
+            <a:spLocks noGrp="1"/>
+          </p:cNvSpPr>
+          <p:nvPr>
+            <p:ph type="sldNum" sz="quarter" idx="10"/>
+          </p:nvPr>
+        </p:nvSpPr>
+        <p:spPr/>
+        <p:txBody>
+          <a:bodyPr/>
+          <a:lstStyle/>
+          <a:p>
+            <a:fld id="{67AFED13-18EC-4853-B935-6E23F2540B2D}" type="slidenum">
+              <a:rPr lang="zh-CN" altLang="en-US" smtClean="0"/>
+              <a:t>26</a:t>
+            </a:fld>
+            <a:endParaRPr lang="zh-CN" altLang="en-US"/>
+          </a:p>
+        </p:txBody>
+      </p:sp>
+    </p:spTree>
+    <p:extLst>
+      <p:ext uri="{BB962C8B-B14F-4D97-AF65-F5344CB8AC3E}">
+        <p14:creationId xmlns:p14="http://schemas.microsoft.com/office/powerpoint/2010/main" val="4094421714"/>
       </p:ext>
     </p:extLst>
   </p:cSld>
@@ -1835,7 +2169,7 @@
           <a:p>
             <a:fld id="{530820CF-B880-4189-942D-D702A7CBA730}" type="datetimeFigureOut">
               <a:rPr lang="zh-CN" altLang="en-US" smtClean="0"/>
-              <a:t>2018/3/15</a:t>
+              <a:t>2018/10/15</a:t>
             </a:fld>
             <a:endParaRPr lang="zh-CN" altLang="en-US"/>
           </a:p>
@@ -1954,7 +2288,7 @@
           <a:p>
             <a:fld id="{530820CF-B880-4189-942D-D702A7CBA730}" type="datetimeFigureOut">
               <a:rPr lang="zh-CN" altLang="en-US" smtClean="0"/>
-              <a:t>2018/3/15</a:t>
+              <a:t>2018/10/15</a:t>
             </a:fld>
             <a:endParaRPr lang="zh-CN" altLang="en-US"/>
           </a:p>
@@ -2357,7 +2691,7 @@
           <a:p>
             <a:fld id="{530820CF-B880-4189-942D-D702A7CBA730}" type="datetimeFigureOut">
               <a:rPr lang="zh-CN" altLang="en-US" smtClean="0"/>
-              <a:t>2018/3/15</a:t>
+              <a:t>2018/10/15</a:t>
             </a:fld>
             <a:endParaRPr lang="zh-CN" altLang="en-US"/>
           </a:p>
@@ -3460,19 +3794,6 @@
                     </a:rPr>
                     <a:t>1</a:t>
                   </a:r>
-                  <a:endParaRPr lang="en-US" altLang="zh-CN" sz="3200" b="1" dirty="0">
-                    <a:solidFill>
-                      <a:schemeClr val="bg1"/>
-                    </a:solidFill>
-                    <a:effectLst>
-                      <a:outerShdw blurRad="38100" dist="38100" dir="2700000" algn="tl">
-                        <a:srgbClr val="000000">
-                          <a:alpha val="43137"/>
-                        </a:srgbClr>
-                      </a:outerShdw>
-                    </a:effectLst>
-                    <a:ea typeface="宋体" charset="-122"/>
-                  </a:endParaRPr>
                 </a:p>
               </p:txBody>
             </p:sp>
@@ -3867,19 +4188,6 @@
                     </a:rPr>
                     <a:t>2</a:t>
                   </a:r>
-                  <a:endParaRPr lang="en-US" altLang="zh-CN" sz="3200" b="1" dirty="0">
-                    <a:solidFill>
-                      <a:schemeClr val="bg1"/>
-                    </a:solidFill>
-                    <a:effectLst>
-                      <a:outerShdw blurRad="38100" dist="38100" dir="2700000" algn="tl">
-                        <a:srgbClr val="000000">
-                          <a:alpha val="43137"/>
-                        </a:srgbClr>
-                      </a:outerShdw>
-                    </a:effectLst>
-                    <a:ea typeface="宋体" charset="-122"/>
-                  </a:endParaRPr>
                 </a:p>
               </p:txBody>
             </p:sp>
@@ -4058,16 +4366,6 @@
                 </a:rPr>
                 <a:t>基于回调的事件处理</a:t>
               </a:r>
-              <a:endParaRPr lang="zh-CN" altLang="en-US" sz="2400">
-                <a:solidFill>
-                  <a:schemeClr val="tx1">
-                    <a:lumMod val="65000"/>
-                    <a:lumOff val="35000"/>
-                  </a:schemeClr>
-                </a:solidFill>
-                <a:latin typeface="微软雅黑" panose="020B0503020204020204" pitchFamily="34" charset="-122"/>
-                <a:ea typeface="微软雅黑" panose="020B0503020204020204" pitchFamily="34" charset="-122"/>
-              </a:endParaRPr>
             </a:p>
           </p:txBody>
         </p:sp>
@@ -4419,6 +4717,17 @@
               <a:defRPr/>
             </a:pPr>
             <a:r>
+              <a:rPr lang="zh-CN" altLang="en-US" sz="3200" dirty="0" smtClean="0">
+                <a:solidFill>
+                  <a:schemeClr val="tx1">
+                    <a:lumMod val="85000"/>
+                    <a:lumOff val="15000"/>
+                  </a:schemeClr>
+                </a:solidFill>
+              </a:rPr>
+              <a:t>在</a:t>
+            </a:r>
+            <a:r>
               <a:rPr lang="zh-CN" altLang="en-US" sz="3200" dirty="0">
                 <a:solidFill>
                   <a:schemeClr val="tx1">
@@ -4427,7 +4736,29 @@
                   </a:schemeClr>
                 </a:solidFill>
               </a:rPr>
-              <a:t>在实践监听的处理模型中，涉及到</a:t>
+              <a:t>事件</a:t>
+            </a:r>
+            <a:r>
+              <a:rPr lang="zh-CN" altLang="en-US" sz="3200" dirty="0" smtClean="0">
+                <a:solidFill>
+                  <a:schemeClr val="tx1">
+                    <a:lumMod val="85000"/>
+                    <a:lumOff val="15000"/>
+                  </a:schemeClr>
+                </a:solidFill>
+              </a:rPr>
+              <a:t>监听</a:t>
+            </a:r>
+            <a:r>
+              <a:rPr lang="zh-CN" altLang="en-US" sz="3200" dirty="0">
+                <a:solidFill>
+                  <a:schemeClr val="tx1">
+                    <a:lumMod val="85000"/>
+                    <a:lumOff val="15000"/>
+                  </a:schemeClr>
+                </a:solidFill>
+              </a:rPr>
+              <a:t>的处理模型中，涉及到</a:t>
             </a:r>
             <a:r>
               <a:rPr lang="en-US" altLang="zh-CN" sz="3200" dirty="0">
@@ -6255,8 +6586,8 @@
         </p:nvSpPr>
         <p:spPr>
           <a:xfrm>
-            <a:off x="6620373" y="3017519"/>
-            <a:ext cx="3162600" cy="707886"/>
+            <a:off x="6965848" y="3017519"/>
+            <a:ext cx="3162600" cy="1015663"/>
           </a:xfrm>
           <a:prstGeom prst="rect">
             <a:avLst/>
@@ -6293,7 +6624,33 @@
                 <a:latin typeface="微软雅黑" panose="020B0503020204020204" pitchFamily="34" charset="-122"/>
                 <a:ea typeface="微软雅黑" panose="020B0503020204020204" pitchFamily="34" charset="-122"/>
               </a:rPr>
-              <a:t>、触发事件监听器事件被作为参数传入事件处理器</a:t>
+              <a:t>、触发事件</a:t>
+            </a:r>
+            <a:r>
+              <a:rPr lang="zh-CN" altLang="en-US" sz="2000" b="1" dirty="0" smtClean="0">
+                <a:solidFill>
+                  <a:schemeClr val="tx1">
+                    <a:lumMod val="85000"/>
+                    <a:lumOff val="15000"/>
+                  </a:schemeClr>
+                </a:solidFill>
+                <a:latin typeface="微软雅黑" panose="020B0503020204020204" pitchFamily="34" charset="-122"/>
+                <a:ea typeface="微软雅黑" panose="020B0503020204020204" pitchFamily="34" charset="-122"/>
+              </a:rPr>
+              <a:t>监听器，事件</a:t>
+            </a:r>
+            <a:r>
+              <a:rPr lang="zh-CN" altLang="en-US" sz="2000" b="1" dirty="0">
+                <a:solidFill>
+                  <a:schemeClr val="tx1">
+                    <a:lumMod val="85000"/>
+                    <a:lumOff val="15000"/>
+                  </a:schemeClr>
+                </a:solidFill>
+                <a:latin typeface="微软雅黑" panose="020B0503020204020204" pitchFamily="34" charset="-122"/>
+                <a:ea typeface="微软雅黑" panose="020B0503020204020204" pitchFamily="34" charset="-122"/>
+              </a:rPr>
+              <a:t>被作为参数传入事件处理器</a:t>
             </a:r>
           </a:p>
         </p:txBody>
@@ -6344,7 +6701,33 @@
                 <a:latin typeface="微软雅黑" panose="020B0503020204020204" pitchFamily="34" charset="-122"/>
                 <a:ea typeface="微软雅黑" panose="020B0503020204020204" pitchFamily="34" charset="-122"/>
               </a:rPr>
-              <a:t>、事件处理器做出相应</a:t>
+              <a:t>、事件处理器</a:t>
+            </a:r>
+            <a:r>
+              <a:rPr lang="zh-CN" altLang="en-US" sz="2000" b="1" dirty="0" smtClean="0">
+                <a:solidFill>
+                  <a:schemeClr val="tx1">
+                    <a:lumMod val="85000"/>
+                    <a:lumOff val="15000"/>
+                  </a:schemeClr>
+                </a:solidFill>
+                <a:latin typeface="微软雅黑" panose="020B0503020204020204" pitchFamily="34" charset="-122"/>
+                <a:ea typeface="微软雅黑" panose="020B0503020204020204" pitchFamily="34" charset="-122"/>
+              </a:rPr>
+              <a:t>做出</a:t>
+            </a:r>
+            <a:r>
+              <a:rPr lang="zh-CN" altLang="en-US" sz="2000" b="1" dirty="0">
+                <a:solidFill>
+                  <a:schemeClr val="tx1">
+                    <a:lumMod val="85000"/>
+                    <a:lumOff val="15000"/>
+                  </a:schemeClr>
+                </a:solidFill>
+                <a:latin typeface="微软雅黑" panose="020B0503020204020204" pitchFamily="34" charset="-122"/>
+                <a:ea typeface="微软雅黑" panose="020B0503020204020204" pitchFamily="34" charset="-122"/>
+              </a:rPr>
+              <a:t>响应</a:t>
             </a:r>
           </a:p>
         </p:txBody>
@@ -7705,7 +8088,7 @@
               <a:defRPr/>
             </a:pPr>
             <a:r>
-              <a:rPr lang="en-US" altLang="zh-CN" sz="2400" b="1" smtClean="0">
+              <a:rPr lang="en-US" altLang="zh-CN" sz="2400" b="1" dirty="0" smtClean="0">
                 <a:solidFill>
                   <a:schemeClr val="tx1">
                     <a:lumMod val="85000"/>
@@ -7714,7 +8097,55 @@
                 </a:solidFill>
                 <a:latin typeface="Consolas" panose="020B0609020204030204" pitchFamily="49" charset="0"/>
               </a:rPr>
-              <a:t>&lt;Button android:id="@+id/btn_test"</a:t>
+              <a:t>&lt;Button </a:t>
+            </a:r>
+            <a:r>
+              <a:rPr lang="en-US" altLang="zh-CN" sz="2400" b="1" dirty="0" err="1" smtClean="0">
+                <a:solidFill>
+                  <a:schemeClr val="tx1">
+                    <a:lumMod val="85000"/>
+                    <a:lumOff val="15000"/>
+                  </a:schemeClr>
+                </a:solidFill>
+                <a:latin typeface="Consolas" panose="020B0609020204030204" pitchFamily="49" charset="0"/>
+              </a:rPr>
+              <a:t>android:id</a:t>
+            </a:r>
+            <a:r>
+              <a:rPr lang="en-US" altLang="zh-CN" sz="2400" b="1" dirty="0" smtClean="0">
+                <a:solidFill>
+                  <a:schemeClr val="tx1">
+                    <a:lumMod val="85000"/>
+                    <a:lumOff val="15000"/>
+                  </a:schemeClr>
+                </a:solidFill>
+                <a:latin typeface="Consolas" panose="020B0609020204030204" pitchFamily="49" charset="0"/>
+              </a:rPr>
+              <a:t>="@+id/</a:t>
+            </a:r>
+            <a:r>
+              <a:rPr lang="en-US" altLang="zh-CN" sz="2400" b="1" dirty="0" err="1" smtClean="0">
+                <a:solidFill>
+                  <a:schemeClr val="tx1">
+                    <a:lumMod val="85000"/>
+                    <a:lumOff val="15000"/>
+                  </a:schemeClr>
+                </a:solidFill>
+                <a:latin typeface="Consolas" panose="020B0609020204030204" pitchFamily="49" charset="0"/>
+              </a:rPr>
+              <a:t>btn_test</a:t>
+            </a:r>
+            <a:r>
+              <a:rPr lang="en-US" altLang="zh-CN" sz="2400" b="1" dirty="0" smtClean="0">
+                <a:solidFill>
+                  <a:schemeClr val="tx1">
+                    <a:lumMod val="85000"/>
+                    <a:lumOff val="15000"/>
+                  </a:schemeClr>
+                </a:solidFill>
+                <a:latin typeface="Consolas" panose="020B0609020204030204" pitchFamily="49" charset="0"/>
+              </a:rPr>
+              <a:t>"</a:t>
             </a:r>
           </a:p>
           <a:p>
@@ -7722,7 +8153,7 @@
               <a:defRPr/>
             </a:pPr>
             <a:r>
-              <a:rPr lang="en-US" altLang="zh-CN" sz="2400" b="1">
+              <a:rPr lang="en-US" altLang="zh-CN" sz="2400" b="1" dirty="0">
                 <a:solidFill>
                   <a:schemeClr val="tx1">
                     <a:lumMod val="85000"/>
@@ -7734,7 +8165,7 @@
               <a:t> </a:t>
             </a:r>
             <a:r>
-              <a:rPr lang="en-US" altLang="zh-CN" sz="2400" b="1" smtClean="0">
+              <a:rPr lang="en-US" altLang="zh-CN" sz="2400" b="1" dirty="0" smtClean="0">
                 <a:solidFill>
                   <a:schemeClr val="tx1">
                     <a:lumMod val="85000"/>
@@ -7743,7 +8174,55 @@
                 </a:solidFill>
                 <a:latin typeface="Consolas" panose="020B0609020204030204" pitchFamily="49" charset="0"/>
               </a:rPr>
-              <a:t>   android:layout_width="wrap_content"</a:t>
+              <a:t>   </a:t>
+            </a:r>
+            <a:r>
+              <a:rPr lang="en-US" altLang="zh-CN" sz="2400" b="1" dirty="0" err="1" smtClean="0">
+                <a:solidFill>
+                  <a:schemeClr val="tx1">
+                    <a:lumMod val="85000"/>
+                    <a:lumOff val="15000"/>
+                  </a:schemeClr>
+                </a:solidFill>
+                <a:latin typeface="Consolas" panose="020B0609020204030204" pitchFamily="49" charset="0"/>
+              </a:rPr>
+              <a:t>android:layout_width</a:t>
+            </a:r>
+            <a:r>
+              <a:rPr lang="en-US" altLang="zh-CN" sz="2400" b="1" dirty="0" smtClean="0">
+                <a:solidFill>
+                  <a:schemeClr val="tx1">
+                    <a:lumMod val="85000"/>
+                    <a:lumOff val="15000"/>
+                  </a:schemeClr>
+                </a:solidFill>
+                <a:latin typeface="Consolas" panose="020B0609020204030204" pitchFamily="49" charset="0"/>
+              </a:rPr>
+              <a:t>="</a:t>
+            </a:r>
+            <a:r>
+              <a:rPr lang="en-US" altLang="zh-CN" sz="2400" b="1" dirty="0" err="1" smtClean="0">
+                <a:solidFill>
+                  <a:schemeClr val="tx1">
+                    <a:lumMod val="85000"/>
+                    <a:lumOff val="15000"/>
+                  </a:schemeClr>
+                </a:solidFill>
+                <a:latin typeface="Consolas" panose="020B0609020204030204" pitchFamily="49" charset="0"/>
+              </a:rPr>
+              <a:t>wrap_content</a:t>
+            </a:r>
+            <a:r>
+              <a:rPr lang="en-US" altLang="zh-CN" sz="2400" b="1" dirty="0" smtClean="0">
+                <a:solidFill>
+                  <a:schemeClr val="tx1">
+                    <a:lumMod val="85000"/>
+                    <a:lumOff val="15000"/>
+                  </a:schemeClr>
+                </a:solidFill>
+                <a:latin typeface="Consolas" panose="020B0609020204030204" pitchFamily="49" charset="0"/>
+              </a:rPr>
+              <a:t>"</a:t>
             </a:r>
           </a:p>
           <a:p>
@@ -7751,7 +8230,7 @@
               <a:defRPr/>
             </a:pPr>
             <a:r>
-              <a:rPr lang="en-US" altLang="zh-CN" sz="2400" b="1">
+              <a:rPr lang="en-US" altLang="zh-CN" sz="2400" b="1" dirty="0">
                 <a:solidFill>
                   <a:schemeClr val="tx1">
                     <a:lumMod val="85000"/>
@@ -7763,7 +8242,7 @@
               <a:t> </a:t>
             </a:r>
             <a:r>
-              <a:rPr lang="en-US" altLang="zh-CN" sz="2400" b="1" smtClean="0">
+              <a:rPr lang="en-US" altLang="zh-CN" sz="2400" b="1" dirty="0" smtClean="0">
                 <a:solidFill>
                   <a:schemeClr val="tx1">
                     <a:lumMod val="85000"/>
@@ -7772,7 +8251,55 @@
                 </a:solidFill>
                 <a:latin typeface="Consolas" panose="020B0609020204030204" pitchFamily="49" charset="0"/>
               </a:rPr>
-              <a:t>   android:layout_height="wrap_content"</a:t>
+              <a:t>   </a:t>
+            </a:r>
+            <a:r>
+              <a:rPr lang="en-US" altLang="zh-CN" sz="2400" b="1" dirty="0" err="1" smtClean="0">
+                <a:solidFill>
+                  <a:schemeClr val="tx1">
+                    <a:lumMod val="85000"/>
+                    <a:lumOff val="15000"/>
+                  </a:schemeClr>
+                </a:solidFill>
+                <a:latin typeface="Consolas" panose="020B0609020204030204" pitchFamily="49" charset="0"/>
+              </a:rPr>
+              <a:t>android:layout_height</a:t>
+            </a:r>
+            <a:r>
+              <a:rPr lang="en-US" altLang="zh-CN" sz="2400" b="1" dirty="0" smtClean="0">
+                <a:solidFill>
+                  <a:schemeClr val="tx1">
+                    <a:lumMod val="85000"/>
+                    <a:lumOff val="15000"/>
+                  </a:schemeClr>
+                </a:solidFill>
+                <a:latin typeface="Consolas" panose="020B0609020204030204" pitchFamily="49" charset="0"/>
+              </a:rPr>
+              <a:t>="</a:t>
+            </a:r>
+            <a:r>
+              <a:rPr lang="en-US" altLang="zh-CN" sz="2400" b="1" dirty="0" err="1" smtClean="0">
+                <a:solidFill>
+                  <a:schemeClr val="tx1">
+                    <a:lumMod val="85000"/>
+                    <a:lumOff val="15000"/>
+                  </a:schemeClr>
+                </a:solidFill>
+                <a:latin typeface="Consolas" panose="020B0609020204030204" pitchFamily="49" charset="0"/>
+              </a:rPr>
+              <a:t>wrap_content</a:t>
+            </a:r>
+            <a:r>
+              <a:rPr lang="en-US" altLang="zh-CN" sz="2400" b="1" dirty="0" smtClean="0">
+                <a:solidFill>
+                  <a:schemeClr val="tx1">
+                    <a:lumMod val="85000"/>
+                    <a:lumOff val="15000"/>
+                  </a:schemeClr>
+                </a:solidFill>
+                <a:latin typeface="Consolas" panose="020B0609020204030204" pitchFamily="49" charset="0"/>
+              </a:rPr>
+              <a:t>"</a:t>
             </a:r>
           </a:p>
           <a:p>
@@ -7780,7 +8307,7 @@
               <a:defRPr/>
             </a:pPr>
             <a:r>
-              <a:rPr lang="en-US" altLang="zh-CN" sz="2400" b="1">
+              <a:rPr lang="en-US" altLang="zh-CN" sz="2400" b="1" dirty="0">
                 <a:solidFill>
                   <a:schemeClr val="tx1">
                     <a:lumMod val="85000"/>
@@ -7792,7 +8319,7 @@
               <a:t> </a:t>
             </a:r>
             <a:r>
-              <a:rPr lang="en-US" altLang="zh-CN" sz="2400" b="1" smtClean="0">
+              <a:rPr lang="en-US" altLang="zh-CN" sz="2400" b="1" dirty="0" smtClean="0">
                 <a:solidFill>
                   <a:schemeClr val="tx1">
                     <a:lumMod val="85000"/>
@@ -7801,10 +8328,46 @@
                 </a:solidFill>
                 <a:latin typeface="Consolas" panose="020B0609020204030204" pitchFamily="49" charset="0"/>
               </a:rPr>
-              <a:t>   android:onClick:"</a:t>
-            </a:r>
-            <a:r>
-              <a:rPr lang="en-US" altLang="zh-CN" sz="2400" b="1" smtClean="0">
+              <a:t>   </a:t>
+            </a:r>
+            <a:r>
+              <a:rPr lang="en-US" altLang="zh-CN" sz="2400" b="1" dirty="0" err="1" smtClean="0">
+                <a:solidFill>
+                  <a:schemeClr val="tx1">
+                    <a:lumMod val="85000"/>
+                    <a:lumOff val="15000"/>
+                  </a:schemeClr>
+                </a:solidFill>
+                <a:latin typeface="Consolas" panose="020B0609020204030204" pitchFamily="49" charset="0"/>
+              </a:rPr>
+              <a:t>android:onClick</a:t>
+            </a:r>
+            <a:r>
+              <a:rPr lang="en-US" altLang="zh-CN" sz="2400" b="1" dirty="0">
+                <a:solidFill>
+                  <a:schemeClr val="tx1">
+                    <a:lumMod val="85000"/>
+                    <a:lumOff val="15000"/>
+                  </a:schemeClr>
+                </a:solidFill>
+                <a:latin typeface="Consolas" panose="020B0609020204030204" pitchFamily="49" charset="0"/>
+              </a:rPr>
+              <a:t>=</a:t>
+            </a:r>
+            <a:r>
+              <a:rPr lang="en-US" altLang="zh-CN" sz="2400" b="1" dirty="0" smtClean="0">
+                <a:solidFill>
+                  <a:schemeClr val="tx1">
+                    <a:lumMod val="85000"/>
+                    <a:lumOff val="15000"/>
+                  </a:schemeClr>
+                </a:solidFill>
+                <a:latin typeface="Consolas" panose="020B0609020204030204" pitchFamily="49" charset="0"/>
+              </a:rPr>
+              <a:t>"</a:t>
+            </a:r>
+            <a:r>
+              <a:rPr lang="en-US" altLang="zh-CN" sz="2400" b="1" dirty="0" err="1" smtClean="0">
                 <a:solidFill>
                   <a:srgbClr val="C00000"/>
                 </a:solidFill>
@@ -7813,7 +8376,7 @@
               <a:t>handlerButtonClick</a:t>
             </a:r>
             <a:r>
-              <a:rPr lang="en-US" altLang="zh-CN" sz="2400" b="1" smtClean="0">
+              <a:rPr lang="en-US" altLang="zh-CN" sz="2400" b="1" dirty="0" smtClean="0">
                 <a:solidFill>
                   <a:schemeClr val="tx1">
                     <a:lumMod val="85000"/>
@@ -7824,7 +8387,7 @@
               </a:rPr>
               <a:t>" /&gt;</a:t>
             </a:r>
-            <a:endParaRPr lang="en-US" altLang="zh-CN" sz="2400" b="1">
+            <a:endParaRPr lang="en-US" altLang="zh-CN" sz="2400" b="1" dirty="0">
               <a:solidFill>
                 <a:schemeClr val="tx1">
                   <a:lumMod val="85000"/>
@@ -7896,7 +8459,7 @@
               <a:defRPr/>
             </a:pPr>
             <a:r>
-              <a:rPr lang="en-US" altLang="zh-CN" sz="2400" b="1" smtClean="0">
+              <a:rPr lang="en-US" altLang="zh-CN" sz="2400" b="1" dirty="0" smtClean="0">
                 <a:solidFill>
                   <a:schemeClr val="tx1">
                     <a:lumMod val="85000"/>
@@ -7905,7 +8468,31 @@
                 </a:solidFill>
                 <a:latin typeface="Consolas" panose="020B0609020204030204" pitchFamily="49" charset="0"/>
               </a:rPr>
-              <a:t>public class MainActivity extends Activity {</a:t>
+              <a:t>public class </a:t>
+            </a:r>
+            <a:r>
+              <a:rPr lang="en-US" altLang="zh-CN" sz="2400" b="1" dirty="0" err="1" smtClean="0">
+                <a:solidFill>
+                  <a:schemeClr val="tx1">
+                    <a:lumMod val="85000"/>
+                    <a:lumOff val="15000"/>
+                  </a:schemeClr>
+                </a:solidFill>
+                <a:latin typeface="Consolas" panose="020B0609020204030204" pitchFamily="49" charset="0"/>
+              </a:rPr>
+              <a:t>MainActivity</a:t>
+            </a:r>
+            <a:r>
+              <a:rPr lang="en-US" altLang="zh-CN" sz="2400" b="1" dirty="0" smtClean="0">
+                <a:solidFill>
+                  <a:schemeClr val="tx1">
+                    <a:lumMod val="85000"/>
+                    <a:lumOff val="15000"/>
+                  </a:schemeClr>
+                </a:solidFill>
+                <a:latin typeface="Consolas" panose="020B0609020204030204" pitchFamily="49" charset="0"/>
+              </a:rPr>
+              <a:t> extends Activity {</a:t>
             </a:r>
           </a:p>
           <a:p>
@@ -7913,7 +8500,7 @@
               <a:defRPr/>
             </a:pPr>
             <a:r>
-              <a:rPr lang="en-US" altLang="zh-CN" sz="2400" b="1" smtClean="0">
+              <a:rPr lang="en-US" altLang="zh-CN" sz="2400" b="1" dirty="0" smtClean="0">
                 <a:solidFill>
                   <a:schemeClr val="tx1">
                     <a:lumMod val="85000"/>
@@ -7925,7 +8512,7 @@
               <a:t>    public void </a:t>
             </a:r>
             <a:r>
-              <a:rPr lang="en-US" altLang="zh-CN" sz="2400" b="1" smtClean="0">
+              <a:rPr lang="en-US" altLang="zh-CN" sz="2400" b="1" dirty="0" err="1" smtClean="0">
                 <a:solidFill>
                   <a:srgbClr val="C00000"/>
                 </a:solidFill>
@@ -7934,7 +8521,7 @@
               <a:t>handlerButtonClick</a:t>
             </a:r>
             <a:r>
-              <a:rPr lang="en-US" altLang="zh-CN" sz="2400" b="1" smtClean="0">
+              <a:rPr lang="en-US" altLang="zh-CN" sz="2400" b="1" dirty="0" smtClean="0">
                 <a:solidFill>
                   <a:schemeClr val="tx1">
                     <a:lumMod val="85000"/>
@@ -7943,7 +8530,7 @@
                 </a:solidFill>
                 <a:latin typeface="Consolas" panose="020B0609020204030204" pitchFamily="49" charset="0"/>
               </a:rPr>
-              <a:t>() {</a:t>
+              <a:t>(View view) {</a:t>
             </a:r>
           </a:p>
           <a:p>
@@ -7951,7 +8538,7 @@
               <a:defRPr/>
             </a:pPr>
             <a:r>
-              <a:rPr lang="en-US" altLang="zh-CN" sz="2400">
+              <a:rPr lang="en-US" altLang="zh-CN" sz="2400" dirty="0">
                 <a:solidFill>
                   <a:srgbClr val="00B050"/>
                 </a:solidFill>
@@ -7960,7 +8547,7 @@
               <a:t> </a:t>
             </a:r>
             <a:r>
-              <a:rPr lang="en-US" altLang="zh-CN" sz="2400" smtClean="0">
+              <a:rPr lang="en-US" altLang="zh-CN" sz="2400" dirty="0" smtClean="0">
                 <a:solidFill>
                   <a:srgbClr val="00B050"/>
                 </a:solidFill>
@@ -7974,7 +8561,7 @@
               <a:defRPr/>
             </a:pPr>
             <a:r>
-              <a:rPr lang="en-US" altLang="zh-CN" sz="2400" b="1">
+              <a:rPr lang="en-US" altLang="zh-CN" sz="2400" b="1" dirty="0">
                 <a:solidFill>
                   <a:schemeClr val="tx1">
                     <a:lumMod val="85000"/>
@@ -7986,7 +8573,7 @@
               <a:t> </a:t>
             </a:r>
             <a:r>
-              <a:rPr lang="en-US" altLang="zh-CN" sz="2400" b="1" smtClean="0">
+              <a:rPr lang="en-US" altLang="zh-CN" sz="2400" b="1" dirty="0" smtClean="0">
                 <a:solidFill>
                   <a:schemeClr val="tx1">
                     <a:lumMod val="85000"/>
@@ -7997,7 +8584,7 @@
               </a:rPr>
               <a:t>   }</a:t>
             </a:r>
-            <a:endParaRPr lang="en-US" altLang="zh-CN" sz="2400" b="1">
+            <a:endParaRPr lang="en-US" altLang="zh-CN" sz="2400" b="1" dirty="0">
               <a:solidFill>
                 <a:schemeClr val="tx1">
                   <a:lumMod val="85000"/>
@@ -8012,7 +8599,7 @@
               <a:defRPr/>
             </a:pPr>
             <a:r>
-              <a:rPr lang="en-US" altLang="zh-CN" sz="2400" b="1" smtClean="0">
+              <a:rPr lang="en-US" altLang="zh-CN" sz="2400" b="1" dirty="0" smtClean="0">
                 <a:solidFill>
                   <a:schemeClr val="tx1">
                     <a:lumMod val="85000"/>
@@ -8023,7 +8610,7 @@
               </a:rPr>
               <a:t>}</a:t>
             </a:r>
-            <a:endParaRPr lang="en-US" altLang="zh-CN" sz="2400" b="1">
+            <a:endParaRPr lang="en-US" altLang="zh-CN" sz="2400" b="1" dirty="0">
               <a:solidFill>
                 <a:schemeClr val="tx1">
                   <a:lumMod val="85000"/>
@@ -9001,16 +9588,7 @@
                 </a:solidFill>
                 <a:latin typeface="Consolas" panose="020B0609020204030204" pitchFamily="49" charset="0"/>
               </a:rPr>
-              <a:t>new </a:t>
-            </a:r>
-            <a:r>
-              <a:rPr lang="en-US" altLang="zh-CN" sz="2400" b="1">
-                <a:solidFill>
-                  <a:srgbClr val="C00000"/>
-                </a:solidFill>
-                <a:latin typeface="Consolas" panose="020B0609020204030204" pitchFamily="49" charset="0"/>
-              </a:rPr>
-              <a:t>CheckBoxCheckedChangeHandler</a:t>
+              <a:t>new CheckBoxCheckedChangeHandler</a:t>
             </a:r>
             <a:r>
               <a:rPr lang="en-US" altLang="zh-CN" sz="2400" b="1" smtClean="0">
@@ -9460,19 +10038,7 @@
                 </a:solidFill>
                 <a:latin typeface="Consolas" panose="020B0609020204030204" pitchFamily="49" charset="0"/>
               </a:rPr>
-              <a:t>        </a:t>
-            </a:r>
-            <a:r>
-              <a:rPr lang="en-US" altLang="zh-CN" sz="2400" b="1">
-                <a:solidFill>
-                  <a:schemeClr val="tx1">
-                    <a:lumMod val="85000"/>
-                    <a:lumOff val="15000"/>
-                  </a:schemeClr>
-                </a:solidFill>
-                <a:latin typeface="Consolas" panose="020B0609020204030204" pitchFamily="49" charset="0"/>
-              </a:rPr>
-              <a:t>setContentView(R.layout.activity_main</a:t>
+              <a:t>        setContentView(R.layout.activity_main</a:t>
             </a:r>
             <a:r>
               <a:rPr lang="en-US" altLang="zh-CN" sz="2400" b="1" smtClean="0">
@@ -9615,19 +10181,7 @@
                 </a:solidFill>
                 <a:latin typeface="Consolas" panose="020B0609020204030204" pitchFamily="49" charset="0"/>
               </a:rPr>
-              <a:t>(View v</a:t>
-            </a:r>
-            <a:r>
-              <a:rPr lang="en-US" altLang="zh-CN" sz="2400" b="1">
-                <a:solidFill>
-                  <a:schemeClr val="tx1">
-                    <a:lumMod val="85000"/>
-                    <a:lumOff val="15000"/>
-                  </a:schemeClr>
-                </a:solidFill>
-                <a:latin typeface="Consolas" panose="020B0609020204030204" pitchFamily="49" charset="0"/>
-              </a:rPr>
-              <a:t>) </a:t>
+              <a:t>(View v) </a:t>
             </a:r>
             <a:r>
               <a:rPr lang="en-US" altLang="zh-CN" sz="2400" b="1" smtClean="0">
@@ -10501,16 +11055,6 @@
                 </a:rPr>
                 <a:t>基于监听器的事件处理</a:t>
               </a:r>
-              <a:endParaRPr lang="zh-CN" altLang="en-US" sz="2400">
-                <a:solidFill>
-                  <a:schemeClr val="tx1">
-                    <a:lumMod val="65000"/>
-                    <a:lumOff val="35000"/>
-                  </a:schemeClr>
-                </a:solidFill>
-                <a:latin typeface="微软雅黑" panose="020B0503020204020204" pitchFamily="34" charset="-122"/>
-                <a:ea typeface="微软雅黑" panose="020B0503020204020204" pitchFamily="34" charset="-122"/>
-              </a:endParaRPr>
             </a:p>
           </p:txBody>
         </p:sp>
@@ -11061,19 +11605,6 @@
                     </a:rPr>
                     <a:t>1</a:t>
                   </a:r>
-                  <a:endParaRPr lang="en-US" altLang="zh-CN" sz="3200" b="1" dirty="0">
-                    <a:solidFill>
-                      <a:schemeClr val="bg1"/>
-                    </a:solidFill>
-                    <a:effectLst>
-                      <a:outerShdw blurRad="38100" dist="38100" dir="2700000" algn="tl">
-                        <a:srgbClr val="000000">
-                          <a:alpha val="43137"/>
-                        </a:srgbClr>
-                      </a:outerShdw>
-                    </a:effectLst>
-                    <a:ea typeface="宋体" charset="-122"/>
-                  </a:endParaRPr>
                 </a:p>
               </p:txBody>
             </p:sp>
@@ -13203,21 +13734,10 @@
                   </a:schemeClr>
                 </a:solidFill>
               </a:rPr>
-              <a:t>事件的使用（事件对象的常用方法和常用</a:t>
-            </a:r>
-            <a:r>
-              <a:rPr lang="zh-CN" altLang="en-US" sz="2800">
-                <a:solidFill>
-                  <a:schemeClr val="tx1">
-                    <a:lumMod val="85000"/>
-                    <a:lumOff val="15000"/>
-                  </a:schemeClr>
-                </a:solidFill>
-              </a:rPr>
-              <a:t>属性</a:t>
-            </a:r>
-            <a:r>
-              <a:rPr lang="zh-CN" altLang="en-US" sz="2800" smtClean="0">
+              <a:t>事件的使用（事件对象的常用方法和常用属性</a:t>
+            </a:r>
+            <a:r>
+              <a:rPr lang="zh-CN" altLang="en-US" sz="2800" dirty="0" smtClean="0">
                 <a:solidFill>
                   <a:schemeClr val="tx1">
                     <a:lumMod val="85000"/>
@@ -13727,7 +14247,7 @@
               <a:defRPr/>
             </a:pPr>
             <a:r>
-              <a:rPr lang="zh-CN" altLang="en-US" sz="3200" smtClean="0">
+              <a:rPr lang="zh-CN" altLang="en-US" sz="3200" dirty="0" smtClean="0">
                 <a:solidFill>
                   <a:schemeClr val="tx1">
                     <a:lumMod val="85000"/>
@@ -13981,16 +14501,6 @@
                 </a:rPr>
                 <a:t>基于回调的事件处理</a:t>
               </a:r>
-              <a:endParaRPr lang="zh-CN" altLang="en-US" sz="2400">
-                <a:solidFill>
-                  <a:schemeClr val="tx1">
-                    <a:lumMod val="65000"/>
-                    <a:lumOff val="35000"/>
-                  </a:schemeClr>
-                </a:solidFill>
-                <a:latin typeface="微软雅黑" panose="020B0503020204020204" pitchFamily="34" charset="-122"/>
-                <a:ea typeface="微软雅黑" panose="020B0503020204020204" pitchFamily="34" charset="-122"/>
-              </a:endParaRPr>
             </a:p>
           </p:txBody>
         </p:sp>
@@ -14353,16 +14863,6 @@
                 </a:rPr>
                 <a:t>基于监听器的事件处理</a:t>
               </a:r>
-              <a:endParaRPr lang="zh-CN" altLang="en-US" sz="2400">
-                <a:solidFill>
-                  <a:schemeClr val="tx1">
-                    <a:lumMod val="65000"/>
-                    <a:lumOff val="35000"/>
-                  </a:schemeClr>
-                </a:solidFill>
-                <a:latin typeface="微软雅黑" panose="020B0503020204020204" pitchFamily="34" charset="-122"/>
-                <a:ea typeface="微软雅黑" panose="020B0503020204020204" pitchFamily="34" charset="-122"/>
-              </a:endParaRPr>
             </a:p>
           </p:txBody>
         </p:sp>
@@ -14913,19 +15413,6 @@
                     </a:rPr>
                     <a:t>1</a:t>
                   </a:r>
-                  <a:endParaRPr lang="en-US" altLang="zh-CN" sz="3200" b="1" dirty="0">
-                    <a:solidFill>
-                      <a:schemeClr val="bg1"/>
-                    </a:solidFill>
-                    <a:effectLst>
-                      <a:outerShdw blurRad="38100" dist="38100" dir="2700000" algn="tl">
-                        <a:srgbClr val="000000">
-                          <a:alpha val="43137"/>
-                        </a:srgbClr>
-                      </a:outerShdw>
-                    </a:effectLst>
-                    <a:ea typeface="宋体" charset="-122"/>
-                  </a:endParaRPr>
                 </a:p>
               </p:txBody>
             </p:sp>
@@ -15233,16 +15720,6 @@
                 </a:rPr>
                 <a:t>事件处理概述</a:t>
               </a:r>
-              <a:endParaRPr lang="zh-CN" altLang="en-US" sz="2400" b="1">
-                <a:solidFill>
-                  <a:schemeClr val="tx1">
-                    <a:lumMod val="75000"/>
-                    <a:lumOff val="25000"/>
-                  </a:schemeClr>
-                </a:solidFill>
-                <a:latin typeface="微软雅黑" panose="020B0503020204020204" pitchFamily="34" charset="-122"/>
-                <a:ea typeface="微软雅黑" panose="020B0503020204020204" pitchFamily="34" charset="-122"/>
-              </a:endParaRPr>
             </a:p>
           </p:txBody>
         </p:sp>
@@ -15605,16 +16082,6 @@
                 </a:rPr>
                 <a:t>基于监听器的事件处理</a:t>
               </a:r>
-              <a:endParaRPr lang="zh-CN" altLang="en-US" sz="2400">
-                <a:solidFill>
-                  <a:schemeClr val="tx1">
-                    <a:lumMod val="65000"/>
-                    <a:lumOff val="35000"/>
-                  </a:schemeClr>
-                </a:solidFill>
-                <a:latin typeface="微软雅黑" panose="020B0503020204020204" pitchFamily="34" charset="-122"/>
-                <a:ea typeface="微软雅黑" panose="020B0503020204020204" pitchFamily="34" charset="-122"/>
-              </a:endParaRPr>
             </a:p>
           </p:txBody>
         </p:sp>
@@ -15979,16 +16446,6 @@
                 </a:rPr>
                 <a:t>基于回调的事件处理</a:t>
               </a:r>
-              <a:endParaRPr lang="zh-CN" altLang="en-US" sz="2400">
-                <a:solidFill>
-                  <a:schemeClr val="tx1">
-                    <a:lumMod val="65000"/>
-                    <a:lumOff val="35000"/>
-                  </a:schemeClr>
-                </a:solidFill>
-                <a:latin typeface="微软雅黑" panose="020B0503020204020204" pitchFamily="34" charset="-122"/>
-                <a:ea typeface="微软雅黑" panose="020B0503020204020204" pitchFamily="34" charset="-122"/>
-              </a:endParaRPr>
             </a:p>
           </p:txBody>
         </p:sp>
@@ -17776,7 +18233,7 @@
               <a:t>、</a:t>
             </a:r>
             <a:r>
-              <a:rPr lang="en-US" altLang="zh-CN" sz="3200" err="1">
+              <a:rPr lang="en-US" altLang="zh-CN" sz="3200" dirty="0" err="1">
                 <a:solidFill>
                   <a:schemeClr val="tx1">
                     <a:lumMod val="85000"/>
@@ -17787,7 +18244,7 @@
               <a:t>onTrackballEvent</a:t>
             </a:r>
             <a:r>
-              <a:rPr lang="zh-CN" altLang="en-US" sz="3200" smtClean="0">
+              <a:rPr lang="zh-CN" altLang="en-US" sz="3200" dirty="0" smtClean="0">
                 <a:solidFill>
                   <a:schemeClr val="tx1">
                     <a:lumMod val="85000"/>
@@ -17798,7 +18255,7 @@
               <a:t>等</a:t>
             </a:r>
             <a:r>
-              <a:rPr lang="zh-CN" altLang="en-US" sz="3200">
+              <a:rPr lang="zh-CN" altLang="en-US" sz="3200" dirty="0">
                 <a:solidFill>
                   <a:schemeClr val="tx1">
                     <a:lumMod val="85000"/>
@@ -17836,7 +18293,62 @@
                   </a:schemeClr>
                 </a:solidFill>
               </a:rPr>
-              <a:t>键盘类事件：</a:t>
+              <a:t>键盘类事件</a:t>
+            </a:r>
+            <a:r>
+              <a:rPr lang="zh-CN" altLang="en-US" sz="3200" dirty="0" smtClean="0">
+                <a:solidFill>
+                  <a:schemeClr val="tx1">
+                    <a:lumMod val="85000"/>
+                    <a:lumOff val="15000"/>
+                  </a:schemeClr>
+                </a:solidFill>
+              </a:rPr>
+              <a:t>：</a:t>
+            </a:r>
+            <a:r>
+              <a:rPr lang="en-US" altLang="zh-CN" sz="3200" dirty="0" err="1" smtClean="0">
+                <a:solidFill>
+                  <a:schemeClr val="tx1">
+                    <a:lumMod val="85000"/>
+                    <a:lumOff val="15000"/>
+                  </a:schemeClr>
+                </a:solidFill>
+              </a:rPr>
+              <a:t>onKey</a:t>
+            </a:r>
+            <a:r>
+              <a:rPr lang="zh-CN" altLang="en-US" sz="3200" dirty="0">
+                <a:solidFill>
+                  <a:schemeClr val="tx1">
+                    <a:lumMod val="85000"/>
+                    <a:lumOff val="15000"/>
+                  </a:schemeClr>
+                </a:solidFill>
+              </a:rPr>
+              <a:t>、</a:t>
+            </a:r>
+            <a:r>
+              <a:rPr lang="en-US" altLang="zh-CN" sz="3200" dirty="0" err="1" smtClean="0">
+                <a:solidFill>
+                  <a:schemeClr val="tx1">
+                    <a:lumMod val="85000"/>
+                    <a:lumOff val="15000"/>
+                  </a:schemeClr>
+                </a:solidFill>
+              </a:rPr>
+              <a:t>onKeyDown</a:t>
+            </a:r>
+            <a:r>
+              <a:rPr lang="zh-CN" altLang="en-US" sz="3200" dirty="0">
+                <a:solidFill>
+                  <a:schemeClr val="tx1">
+                    <a:lumMod val="85000"/>
+                    <a:lumOff val="15000"/>
+                  </a:schemeClr>
+                </a:solidFill>
+              </a:rPr>
+              <a:t>、</a:t>
             </a:r>
             <a:r>
               <a:rPr lang="en-US" altLang="zh-CN" sz="3200" dirty="0" err="1">
@@ -17847,54 +18359,10 @@
                   </a:schemeClr>
                 </a:solidFill>
               </a:rPr>
-              <a:t>onKey</a:t>
-            </a:r>
-            <a:r>
-              <a:rPr lang="zh-CN" altLang="en-US" sz="3200" dirty="0">
-                <a:solidFill>
-                  <a:schemeClr val="tx1">
-                    <a:lumMod val="85000"/>
-                    <a:lumOff val="15000"/>
-                  </a:schemeClr>
-                </a:solidFill>
-              </a:rPr>
-              <a:t>、</a:t>
-            </a:r>
-            <a:r>
-              <a:rPr lang="en-US" altLang="zh-CN" sz="3200" dirty="0" err="1">
-                <a:solidFill>
-                  <a:schemeClr val="tx1">
-                    <a:lumMod val="85000"/>
-                    <a:lumOff val="15000"/>
-                  </a:schemeClr>
-                </a:solidFill>
-              </a:rPr>
-              <a:t>onKeyDown</a:t>
-            </a:r>
-            <a:r>
-              <a:rPr lang="zh-CN" altLang="en-US" sz="3200" dirty="0">
-                <a:solidFill>
-                  <a:schemeClr val="tx1">
-                    <a:lumMod val="85000"/>
-                    <a:lumOff val="15000"/>
-                  </a:schemeClr>
-                </a:solidFill>
-              </a:rPr>
-              <a:t>、</a:t>
-            </a:r>
-            <a:r>
-              <a:rPr lang="en-US" altLang="zh-CN" sz="3200" err="1">
-                <a:solidFill>
-                  <a:schemeClr val="tx1">
-                    <a:lumMod val="85000"/>
-                    <a:lumOff val="15000"/>
-                  </a:schemeClr>
-                </a:solidFill>
-              </a:rPr>
               <a:t>onKeyUp</a:t>
             </a:r>
             <a:r>
-              <a:rPr lang="zh-CN" altLang="en-US" sz="3200" smtClean="0">
+              <a:rPr lang="zh-CN" altLang="en-US" sz="3200" dirty="0" smtClean="0">
                 <a:solidFill>
                   <a:schemeClr val="tx1">
                     <a:lumMod val="85000"/>
@@ -17968,7 +18436,7 @@
               <a:t>onCheckedChange</a:t>
             </a:r>
             <a:r>
-              <a:rPr lang="zh-CN" altLang="en-US" sz="3200">
+              <a:rPr lang="zh-CN" altLang="en-US" sz="3200" dirty="0">
                 <a:solidFill>
                   <a:schemeClr val="tx1">
                     <a:lumMod val="85000"/>
@@ -17979,7 +18447,7 @@
               <a:t>、</a:t>
             </a:r>
             <a:r>
-              <a:rPr lang="en-US" altLang="zh-CN" sz="3200" smtClean="0">
+              <a:rPr lang="en-US" altLang="zh-CN" sz="3200" dirty="0" err="1" smtClean="0">
                 <a:solidFill>
                   <a:schemeClr val="tx1">
                     <a:lumMod val="85000"/>
@@ -17990,7 +18458,7 @@
               <a:t>onItemSelected</a:t>
             </a:r>
             <a:r>
-              <a:rPr lang="zh-CN" altLang="en-US" sz="3200" smtClean="0">
+              <a:rPr lang="zh-CN" altLang="en-US" sz="3200" dirty="0" smtClean="0">
                 <a:solidFill>
                   <a:schemeClr val="tx1">
                     <a:lumMod val="85000"/>
